--- a/Documentatie si prezentare/Memory Saver - Gurau Marian.pptx
+++ b/Documentatie si prezentare/Memory Saver - Gurau Marian.pptx
@@ -5,7 +5,7 @@
     <p:sldMasterId id="2147483648" r:id="rId1"/>
   </p:sldMasterIdLst>
   <p:notesMasterIdLst>
-    <p:notesMasterId r:id="rId9"/>
+    <p:notesMasterId r:id="rId10"/>
   </p:notesMasterIdLst>
   <p:sldIdLst>
     <p:sldId id="256" r:id="rId2"/>
@@ -15,6 +15,7 @@
     <p:sldId id="257" r:id="rId6"/>
     <p:sldId id="261" r:id="rId7"/>
     <p:sldId id="262" r:id="rId8"/>
+    <p:sldId id="263" r:id="rId9"/>
   </p:sldIdLst>
   <p:sldSz cx="12192000" cy="6858000"/>
   <p:notesSz cx="6858000" cy="9144000"/>
@@ -3453,7 +3454,466 @@
           <a:bodyPr/>
           <a:lstStyle/>
           <a:p>
-            <a:endParaRPr lang="en-US" dirty="0"/>
+            <a:r>
+              <a:rPr lang="en-US" dirty="0"/>
+              <a:t>In </a:t>
+            </a:r>
+            <a:r>
+              <a:rPr lang="en-US" dirty="0" err="1"/>
+              <a:t>incheiere</a:t>
+            </a:r>
+            <a:r>
+              <a:rPr lang="en-US" dirty="0"/>
+              <a:t> </a:t>
+            </a:r>
+            <a:r>
+              <a:rPr lang="en-US" dirty="0" err="1"/>
+              <a:t>putem</a:t>
+            </a:r>
+            <a:r>
+              <a:rPr lang="en-US" dirty="0"/>
+              <a:t> </a:t>
+            </a:r>
+            <a:r>
+              <a:rPr lang="en-US" dirty="0" err="1"/>
+              <a:t>spune</a:t>
+            </a:r>
+            <a:r>
+              <a:rPr lang="en-US" dirty="0"/>
+              <a:t> ca </a:t>
+            </a:r>
+            <a:r>
+              <a:rPr lang="en-US" dirty="0" err="1"/>
+              <a:t>aplicatie</a:t>
+            </a:r>
+            <a:r>
+              <a:rPr lang="en-US" dirty="0"/>
+              <a:t> are </a:t>
+            </a:r>
+            <a:r>
+              <a:rPr lang="en-US" dirty="0" err="1"/>
+              <a:t>potentialul</a:t>
+            </a:r>
+            <a:r>
+              <a:rPr lang="en-US" dirty="0"/>
+              <a:t> de a </a:t>
+            </a:r>
+            <a:r>
+              <a:rPr lang="en-US" dirty="0" err="1"/>
+              <a:t>indeplini</a:t>
+            </a:r>
+            <a:r>
+              <a:rPr lang="en-US" dirty="0"/>
+              <a:t> </a:t>
+            </a:r>
+            <a:r>
+              <a:rPr lang="en-US" dirty="0" err="1"/>
+              <a:t>ceea</a:t>
+            </a:r>
+            <a:r>
+              <a:rPr lang="en-US" dirty="0"/>
+              <a:t> </a:t>
+            </a:r>
+            <a:r>
+              <a:rPr lang="en-US" dirty="0" err="1"/>
+              <a:t>ce</a:t>
+            </a:r>
+            <a:r>
+              <a:rPr lang="en-US" dirty="0"/>
+              <a:t> </a:t>
+            </a:r>
+            <a:r>
+              <a:rPr lang="en-US" dirty="0" err="1"/>
+              <a:t>si</a:t>
+            </a:r>
+            <a:r>
+              <a:rPr lang="en-US" dirty="0"/>
+              <a:t>-a </a:t>
+            </a:r>
+            <a:r>
+              <a:rPr lang="en-US" dirty="0" err="1"/>
+              <a:t>propus</a:t>
+            </a:r>
+            <a:r>
+              <a:rPr lang="en-US" dirty="0"/>
+              <a:t> </a:t>
+            </a:r>
+            <a:r>
+              <a:rPr lang="en-US" dirty="0" err="1"/>
+              <a:t>insa</a:t>
+            </a:r>
+            <a:r>
+              <a:rPr lang="en-US" dirty="0"/>
+              <a:t> </a:t>
+            </a:r>
+            <a:r>
+              <a:rPr lang="en-US" dirty="0" err="1"/>
+              <a:t>totul</a:t>
+            </a:r>
+            <a:r>
+              <a:rPr lang="en-US" dirty="0"/>
+              <a:t> </a:t>
+            </a:r>
+            <a:r>
+              <a:rPr lang="en-US" dirty="0" err="1"/>
+              <a:t>consta</a:t>
+            </a:r>
+            <a:r>
+              <a:rPr lang="en-US" dirty="0"/>
+              <a:t> in </a:t>
+            </a:r>
+            <a:r>
+              <a:rPr lang="en-US" dirty="0" err="1"/>
+              <a:t>dezvoltatorii</a:t>
+            </a:r>
+            <a:r>
+              <a:rPr lang="en-US" dirty="0"/>
+              <a:t> de </a:t>
+            </a:r>
+            <a:r>
+              <a:rPr lang="en-US" dirty="0" err="1"/>
+              <a:t>retele</a:t>
+            </a:r>
+            <a:r>
+              <a:rPr lang="en-US" dirty="0"/>
+              <a:t> </a:t>
+            </a:r>
+            <a:r>
+              <a:rPr lang="en-US" dirty="0" err="1"/>
+              <a:t>sociale</a:t>
+            </a:r>
+            <a:r>
+              <a:rPr lang="en-US" dirty="0"/>
+              <a:t> </a:t>
+            </a:r>
+            <a:r>
+              <a:rPr lang="en-US" dirty="0" err="1"/>
+              <a:t>pentru</a:t>
+            </a:r>
+            <a:r>
+              <a:rPr lang="en-US" dirty="0"/>
+              <a:t> a </a:t>
+            </a:r>
+            <a:r>
+              <a:rPr lang="en-US" dirty="0" err="1"/>
+              <a:t>pune</a:t>
+            </a:r>
+            <a:r>
+              <a:rPr lang="en-US" dirty="0"/>
+              <a:t> la </a:t>
+            </a:r>
+            <a:r>
+              <a:rPr lang="en-US" dirty="0" err="1"/>
+              <a:t>dispozitia</a:t>
+            </a:r>
+            <a:r>
+              <a:rPr lang="en-US" dirty="0"/>
+              <a:t> </a:t>
+            </a:r>
+            <a:r>
+              <a:rPr lang="en-US" dirty="0" err="1"/>
+              <a:t>aplicatiilor</a:t>
+            </a:r>
+            <a:r>
+              <a:rPr lang="en-US" dirty="0"/>
+              <a:t> precum </a:t>
+            </a:r>
+            <a:r>
+              <a:rPr lang="en-US" dirty="0" err="1"/>
+              <a:t>aceasta</a:t>
+            </a:r>
+            <a:r>
+              <a:rPr lang="en-US" dirty="0"/>
+              <a:t> API-</a:t>
+            </a:r>
+            <a:r>
+              <a:rPr lang="en-US" dirty="0" err="1"/>
+              <a:t>uri</a:t>
+            </a:r>
+            <a:r>
+              <a:rPr lang="en-US" dirty="0"/>
+              <a:t> bine </a:t>
+            </a:r>
+            <a:r>
+              <a:rPr lang="en-US" dirty="0" err="1"/>
+              <a:t>documentate</a:t>
+            </a:r>
+            <a:r>
+              <a:rPr lang="en-US" dirty="0"/>
+              <a:t>,  care </a:t>
+            </a:r>
+            <a:r>
+              <a:rPr lang="en-US" dirty="0" err="1"/>
+              <a:t>beneficiaza</a:t>
+            </a:r>
+            <a:r>
+              <a:rPr lang="en-US" dirty="0"/>
+              <a:t> de </a:t>
+            </a:r>
+            <a:r>
+              <a:rPr lang="en-US" dirty="0" err="1"/>
+              <a:t>suport</a:t>
+            </a:r>
+            <a:r>
+              <a:rPr lang="en-US" dirty="0"/>
+              <a:t> rapid </a:t>
+            </a:r>
+            <a:r>
+              <a:rPr lang="en-US" dirty="0" err="1"/>
+              <a:t>si</a:t>
+            </a:r>
+            <a:r>
+              <a:rPr lang="en-US" dirty="0"/>
+              <a:t> cat </a:t>
+            </a:r>
+            <a:r>
+              <a:rPr lang="en-US" dirty="0" err="1"/>
+              <a:t>mai</a:t>
+            </a:r>
+            <a:r>
+              <a:rPr lang="en-US" dirty="0"/>
+              <a:t> </a:t>
+            </a:r>
+            <a:r>
+              <a:rPr lang="en-US" dirty="0" err="1"/>
+              <a:t>multe</a:t>
+            </a:r>
+            <a:r>
+              <a:rPr lang="en-US" dirty="0"/>
+              <a:t> </a:t>
+            </a:r>
+            <a:r>
+              <a:rPr lang="en-US" dirty="0" err="1"/>
+              <a:t>optiuni</a:t>
+            </a:r>
+            <a:r>
+              <a:rPr lang="en-US" dirty="0"/>
+              <a:t>, </a:t>
+            </a:r>
+            <a:r>
+              <a:rPr lang="en-US" dirty="0" err="1"/>
+              <a:t>avantajul</a:t>
+            </a:r>
+            <a:r>
+              <a:rPr lang="en-US" dirty="0"/>
+              <a:t> </a:t>
+            </a:r>
+            <a:r>
+              <a:rPr lang="en-US" dirty="0" err="1"/>
+              <a:t>pentru</a:t>
+            </a:r>
+            <a:r>
+              <a:rPr lang="en-US" dirty="0"/>
+              <a:t> </a:t>
+            </a:r>
+            <a:r>
+              <a:rPr lang="en-US" dirty="0" err="1"/>
+              <a:t>acestia</a:t>
+            </a:r>
+            <a:r>
+              <a:rPr lang="en-US" dirty="0"/>
+              <a:t> </a:t>
+            </a:r>
+            <a:r>
+              <a:rPr lang="en-US" dirty="0" err="1"/>
+              <a:t>reprezentandu</a:t>
+            </a:r>
+            <a:r>
+              <a:rPr lang="en-US" dirty="0"/>
+              <a:t>-l </a:t>
+            </a:r>
+            <a:r>
+              <a:rPr lang="en-US" dirty="0" err="1"/>
+              <a:t>bineinteles</a:t>
+            </a:r>
+            <a:r>
+              <a:rPr lang="en-US" dirty="0"/>
+              <a:t> </a:t>
+            </a:r>
+            <a:r>
+              <a:rPr lang="en-US" dirty="0" err="1"/>
+              <a:t>baza</a:t>
+            </a:r>
+            <a:r>
+              <a:rPr lang="en-US" dirty="0"/>
+              <a:t> de </a:t>
+            </a:r>
+            <a:r>
+              <a:rPr lang="en-US" dirty="0" err="1"/>
+              <a:t>utilizatori</a:t>
+            </a:r>
+            <a:r>
+              <a:rPr lang="en-US" dirty="0"/>
+              <a:t> </a:t>
+            </a:r>
+            <a:r>
+              <a:rPr lang="en-US" dirty="0" err="1"/>
+              <a:t>ai</a:t>
+            </a:r>
+            <a:r>
+              <a:rPr lang="en-US" dirty="0"/>
+              <a:t> </a:t>
+            </a:r>
+            <a:r>
+              <a:rPr lang="en-US" dirty="0" err="1"/>
+              <a:t>aplicatiei</a:t>
+            </a:r>
+            <a:r>
+              <a:rPr lang="en-US" dirty="0"/>
+              <a:t> Memory Saver, </a:t>
+            </a:r>
+            <a:r>
+              <a:rPr lang="en-US" dirty="0" err="1"/>
+              <a:t>aceasta</a:t>
+            </a:r>
+            <a:r>
+              <a:rPr lang="en-US" dirty="0"/>
+              <a:t> </a:t>
+            </a:r>
+            <a:r>
+              <a:rPr lang="en-US" dirty="0" err="1"/>
+              <a:t>avand</a:t>
+            </a:r>
+            <a:r>
+              <a:rPr lang="en-US" dirty="0"/>
+              <a:t> </a:t>
+            </a:r>
+            <a:r>
+              <a:rPr lang="en-US" dirty="0" err="1"/>
+              <a:t>putearea</a:t>
+            </a:r>
+            <a:r>
+              <a:rPr lang="en-US" dirty="0"/>
+              <a:t> de a face </a:t>
+            </a:r>
+            <a:r>
+              <a:rPr lang="en-US" dirty="0" err="1"/>
+              <a:t>clientii</a:t>
+            </a:r>
+            <a:r>
+              <a:rPr lang="en-US" dirty="0"/>
+              <a:t> care </a:t>
+            </a:r>
+            <a:r>
+              <a:rPr lang="en-US" dirty="0" err="1"/>
+              <a:t>deja</a:t>
+            </a:r>
+            <a:r>
+              <a:rPr lang="en-US" dirty="0"/>
+              <a:t> o </a:t>
+            </a:r>
+            <a:r>
+              <a:rPr lang="en-US" dirty="0" err="1"/>
+              <a:t>utilizeaza</a:t>
+            </a:r>
+            <a:r>
+              <a:rPr lang="en-US" dirty="0"/>
+              <a:t> </a:t>
+            </a:r>
+            <a:r>
+              <a:rPr lang="en-US" dirty="0" err="1"/>
+              <a:t>atenti</a:t>
+            </a:r>
+            <a:r>
+              <a:rPr lang="en-US" dirty="0"/>
+              <a:t> la </a:t>
+            </a:r>
+            <a:r>
+              <a:rPr lang="en-US" dirty="0" err="1"/>
+              <a:t>platformele</a:t>
+            </a:r>
+            <a:r>
+              <a:rPr lang="en-US" dirty="0"/>
+              <a:t> </a:t>
+            </a:r>
+            <a:r>
+              <a:rPr lang="en-US" dirty="0" err="1"/>
+              <a:t>noi</a:t>
+            </a:r>
+            <a:r>
+              <a:rPr lang="en-US" dirty="0"/>
+              <a:t> </a:t>
+            </a:r>
+            <a:r>
+              <a:rPr lang="en-US" dirty="0" err="1"/>
+              <a:t>aparute</a:t>
+            </a:r>
+            <a:r>
+              <a:rPr lang="en-US" dirty="0"/>
+              <a:t>, </a:t>
+            </a:r>
+            <a:r>
+              <a:rPr lang="en-US" dirty="0" err="1"/>
+              <a:t>prin</a:t>
+            </a:r>
+            <a:r>
+              <a:rPr lang="en-US" dirty="0"/>
+              <a:t> </a:t>
+            </a:r>
+            <a:r>
+              <a:rPr lang="en-US" dirty="0" err="1"/>
+              <a:t>prezentarea</a:t>
+            </a:r>
+            <a:r>
+              <a:rPr lang="en-US" dirty="0"/>
+              <a:t> </a:t>
+            </a:r>
+            <a:r>
+              <a:rPr lang="en-US" dirty="0" err="1"/>
+              <a:t>catre</a:t>
+            </a:r>
+            <a:r>
+              <a:rPr lang="en-US" dirty="0"/>
+              <a:t> </a:t>
+            </a:r>
+            <a:r>
+              <a:rPr lang="en-US" dirty="0" err="1"/>
+              <a:t>acestia</a:t>
+            </a:r>
+            <a:r>
+              <a:rPr lang="en-US" dirty="0"/>
+              <a:t> de </a:t>
+            </a:r>
+            <a:r>
+              <a:rPr lang="en-US" dirty="0" err="1"/>
+              <a:t>noi</a:t>
+            </a:r>
+            <a:r>
+              <a:rPr lang="en-US" dirty="0"/>
+              <a:t> </a:t>
+            </a:r>
+            <a:r>
+              <a:rPr lang="en-US" dirty="0" err="1"/>
+              <a:t>optiuni</a:t>
+            </a:r>
+            <a:r>
+              <a:rPr lang="en-US" dirty="0"/>
+              <a:t> in </a:t>
+            </a:r>
+            <a:r>
+              <a:rPr lang="en-US" dirty="0" err="1"/>
+              <a:t>functie</a:t>
+            </a:r>
+            <a:r>
+              <a:rPr lang="en-US" dirty="0"/>
+              <a:t> de API-urile </a:t>
+            </a:r>
+            <a:r>
+              <a:rPr lang="en-US" dirty="0" err="1"/>
+              <a:t>puse</a:t>
+            </a:r>
+            <a:r>
+              <a:rPr lang="en-US" dirty="0"/>
+              <a:t> la </a:t>
+            </a:r>
+            <a:r>
+              <a:rPr lang="en-US" dirty="0" err="1"/>
+              <a:t>dispozitie</a:t>
+            </a:r>
+            <a:r>
+              <a:rPr lang="en-US" dirty="0"/>
+              <a:t>.</a:t>
+            </a:r>
           </a:p>
         </p:txBody>
       </p:sp>
@@ -3484,6 +3944,90 @@
     <p:extLst>
       <p:ext uri="{BB962C8B-B14F-4D97-AF65-F5344CB8AC3E}">
         <p14:creationId xmlns:p14="http://schemas.microsoft.com/office/powerpoint/2010/main" val="3536217693"/>
+      </p:ext>
+    </p:extLst>
+  </p:cSld>
+  <p:clrMapOvr>
+    <a:masterClrMapping/>
+  </p:clrMapOvr>
+</p:notes>
+</file>
+
+<file path=ppt/notesSlides/notesSlide5.xml><?xml version="1.0" encoding="utf-8"?>
+<p:notes xmlns:a="http://schemas.openxmlformats.org/drawingml/2006/main" xmlns:r="http://schemas.openxmlformats.org/officeDocument/2006/relationships" xmlns:p="http://schemas.openxmlformats.org/presentationml/2006/main">
+  <p:cSld>
+    <p:spTree>
+      <p:nvGrpSpPr>
+        <p:cNvPr id="1" name=""/>
+        <p:cNvGrpSpPr/>
+        <p:nvPr/>
+      </p:nvGrpSpPr>
+      <p:grpSpPr>
+        <a:xfrm>
+          <a:off x="0" y="0"/>
+          <a:ext cx="0" cy="0"/>
+          <a:chOff x="0" y="0"/>
+          <a:chExt cx="0" cy="0"/>
+        </a:xfrm>
+      </p:grpSpPr>
+      <p:sp>
+        <p:nvSpPr>
+          <p:cNvPr id="2" name="Slide Image Placeholder 1"/>
+          <p:cNvSpPr>
+            <a:spLocks noGrp="1" noRot="1" noChangeAspect="1"/>
+          </p:cNvSpPr>
+          <p:nvPr>
+            <p:ph type="sldImg"/>
+          </p:nvPr>
+        </p:nvSpPr>
+        <p:spPr/>
+      </p:sp>
+      <p:sp>
+        <p:nvSpPr>
+          <p:cNvPr id="3" name="Notes Placeholder 2"/>
+          <p:cNvSpPr>
+            <a:spLocks noGrp="1"/>
+          </p:cNvSpPr>
+          <p:nvPr>
+            <p:ph type="body" idx="1"/>
+          </p:nvPr>
+        </p:nvSpPr>
+        <p:spPr/>
+        <p:txBody>
+          <a:bodyPr/>
+          <a:lstStyle/>
+          <a:p>
+            <a:endParaRPr lang="en-US" dirty="0"/>
+          </a:p>
+        </p:txBody>
+      </p:sp>
+      <p:sp>
+        <p:nvSpPr>
+          <p:cNvPr id="4" name="Slide Number Placeholder 3"/>
+          <p:cNvSpPr>
+            <a:spLocks noGrp="1"/>
+          </p:cNvSpPr>
+          <p:nvPr>
+            <p:ph type="sldNum" sz="quarter" idx="10"/>
+          </p:nvPr>
+        </p:nvSpPr>
+        <p:spPr/>
+        <p:txBody>
+          <a:bodyPr/>
+          <a:lstStyle/>
+          <a:p>
+            <a:fld id="{DF204B7D-0F0E-4D18-AF0C-F9B40D537991}" type="slidenum">
+              <a:rPr lang="nl-NL" smtClean="0"/>
+              <a:t>8</a:t>
+            </a:fld>
+            <a:endParaRPr lang="nl-NL"/>
+          </a:p>
+        </p:txBody>
+      </p:sp>
+    </p:spTree>
+    <p:extLst>
+      <p:ext uri="{BB962C8B-B14F-4D97-AF65-F5344CB8AC3E}">
+        <p14:creationId xmlns:p14="http://schemas.microsoft.com/office/powerpoint/2010/main" val="2188604060"/>
       </p:ext>
     </p:extLst>
   </p:cSld>
@@ -10052,6 +10596,109 @@
 </p:sld>
 </file>
 
+<file path=ppt/slides/slide8.xml><?xml version="1.0" encoding="utf-8"?>
+<p:sld xmlns:a="http://schemas.openxmlformats.org/drawingml/2006/main" xmlns:r="http://schemas.openxmlformats.org/officeDocument/2006/relationships" xmlns:p="http://schemas.openxmlformats.org/presentationml/2006/main">
+  <p:cSld>
+    <p:spTree>
+      <p:nvGrpSpPr>
+        <p:cNvPr id="1" name=""/>
+        <p:cNvGrpSpPr/>
+        <p:nvPr/>
+      </p:nvGrpSpPr>
+      <p:grpSpPr>
+        <a:xfrm>
+          <a:off x="0" y="0"/>
+          <a:ext cx="0" cy="0"/>
+          <a:chOff x="0" y="0"/>
+          <a:chExt cx="0" cy="0"/>
+        </a:xfrm>
+      </p:grpSpPr>
+      <p:sp>
+        <p:nvSpPr>
+          <p:cNvPr id="2" name="Title 1">
+            <a:extLst>
+              <a:ext uri="{FF2B5EF4-FFF2-40B4-BE49-F238E27FC236}">
+                <a16:creationId xmlns:a16="http://schemas.microsoft.com/office/drawing/2014/main" id="{2A4F52BF-CD78-4C7C-8BFC-559BC780D993}"/>
+              </a:ext>
+            </a:extLst>
+          </p:cNvPr>
+          <p:cNvSpPr>
+            <a:spLocks noGrp="1"/>
+          </p:cNvSpPr>
+          <p:nvPr>
+            <p:ph type="title"/>
+          </p:nvPr>
+        </p:nvSpPr>
+        <p:spPr/>
+        <p:txBody>
+          <a:bodyPr/>
+          <a:lstStyle/>
+          <a:p>
+            <a:r>
+              <a:rPr lang="en-US" dirty="0" err="1"/>
+              <a:t>Va</a:t>
+            </a:r>
+            <a:r>
+              <a:rPr lang="en-US" dirty="0"/>
+              <a:t> </a:t>
+            </a:r>
+            <a:r>
+              <a:rPr lang="en-US" dirty="0" err="1"/>
+              <a:t>mulțumesc</a:t>
+            </a:r>
+            <a:r>
+              <a:rPr lang="en-US" dirty="0"/>
+              <a:t> / </a:t>
+            </a:r>
+            <a:r>
+              <a:rPr lang="en-US" dirty="0" err="1"/>
+              <a:t>Întrebări</a:t>
+            </a:r>
+            <a:r>
+              <a:rPr lang="en-US" dirty="0"/>
+              <a:t>?</a:t>
+            </a:r>
+          </a:p>
+        </p:txBody>
+      </p:sp>
+      <p:sp>
+        <p:nvSpPr>
+          <p:cNvPr id="3" name="Content Placeholder 2">
+            <a:extLst>
+              <a:ext uri="{FF2B5EF4-FFF2-40B4-BE49-F238E27FC236}">
+                <a16:creationId xmlns:a16="http://schemas.microsoft.com/office/drawing/2014/main" id="{0EE086E8-EC76-428E-A688-33F484E1E759}"/>
+              </a:ext>
+            </a:extLst>
+          </p:cNvPr>
+          <p:cNvSpPr>
+            <a:spLocks noGrp="1"/>
+          </p:cNvSpPr>
+          <p:nvPr>
+            <p:ph idx="1"/>
+          </p:nvPr>
+        </p:nvSpPr>
+        <p:spPr/>
+        <p:txBody>
+          <a:bodyPr/>
+          <a:lstStyle/>
+          <a:p>
+            <a:endParaRPr lang="en-US"/>
+          </a:p>
+        </p:txBody>
+      </p:sp>
+    </p:spTree>
+    <p:extLst>
+      <p:ext uri="{BB962C8B-B14F-4D97-AF65-F5344CB8AC3E}">
+        <p14:creationId xmlns:p14="http://schemas.microsoft.com/office/powerpoint/2010/main" val="262595351"/>
+      </p:ext>
+    </p:extLst>
+  </p:cSld>
+  <p:clrMapOvr>
+    <a:masterClrMapping/>
+  </p:clrMapOvr>
+</p:sld>
+</file>
+
 <file path=ppt/theme/theme1.xml><?xml version="1.0" encoding="utf-8"?>
 <a:theme xmlns:a="http://schemas.openxmlformats.org/drawingml/2006/main" name="Facet">
   <a:themeElements>
